--- a/CSYE7200TEAM1IPROPOSALPRESENTATION.pptx
+++ b/CSYE7200TEAM1IPROPOSALPRESENTATION.pptx
@@ -140,6 +140,10 @@
 </p:cmAuthorLst>
 </file>
 
+<file path=ppt/revisionInfo.xml><?xml version="1.0" encoding="utf-8"?>
+<p1510:revInfo xmlns:a="http://schemas.openxmlformats.org/drawingml/2006/main" xmlns:r="http://schemas.openxmlformats.org/officeDocument/2006/relationships" xmlns:p1510="http://schemas.microsoft.com/office/powerpoint/2015/10/main"/>
+</file>
+
 <file path=ppt/handoutMasters/handoutMaster1.xml><?xml version="1.0" encoding="utf-8"?>
 <p:handoutMaster xmlns:a="http://schemas.openxmlformats.org/drawingml/2006/main" xmlns:r="http://schemas.openxmlformats.org/officeDocument/2006/relationships" xmlns:p="http://schemas.openxmlformats.org/presentationml/2006/main">
   <p:cSld>
@@ -222,7 +226,7 @@
           <a:p>
             <a:fld id="{D2FF1BCE-F9BF-4437-BAD0-DFB565C2604A}" type="datetimeFigureOut">
               <a:rPr lang="zh-CN" altLang="en-US" smtClean="0"/>
-              <a:t>2017/11/10</a:t>
+              <a:t>2017/11/17</a:t>
             </a:fld>
             <a:endParaRPr lang="zh-CN" altLang="en-US"/>
           </a:p>
@@ -382,7 +386,7 @@
           <a:p>
             <a:fld id="{2FE9FF80-3089-4017-8A81-05DEE19F8381}" type="datetimeFigureOut">
               <a:rPr lang="zh-CN" altLang="en-US" smtClean="0"/>
-              <a:t>2017/11/10</a:t>
+              <a:t>2017/11/17</a:t>
             </a:fld>
             <a:endParaRPr lang="zh-CN" altLang="en-US"/>
           </a:p>
@@ -11640,7 +11644,7 @@
         <p:spPr>
           <a:xfrm>
             <a:off x="2419643" y="1281297"/>
-            <a:ext cx="3299656" cy="1631216"/>
+            <a:ext cx="3299656" cy="1323439"/>
           </a:xfrm>
           <a:prstGeom prst="rect">
             <a:avLst/>
@@ -11658,7 +11662,7 @@
               <a:rPr lang="en-US" sz="2000" b="1" dirty="0">
                 <a:latin typeface="Cambria" panose="02040503050406030204" pitchFamily="18" charset="0"/>
               </a:rPr>
-              <a:t>Extract data from such 200 websites by using web crawler; analyze and sort them(using Spark and R language).</a:t>
+              <a:t>Extract data from such 200 websites by using web crawler; analyze and sort them(using Spark).</a:t>
             </a:r>
           </a:p>
         </p:txBody>
@@ -11725,7 +11729,7 @@
         <p:spPr>
           <a:xfrm>
             <a:off x="6861908" y="1281297"/>
-            <a:ext cx="3102708" cy="707886"/>
+            <a:ext cx="3102708" cy="1323439"/>
           </a:xfrm>
           <a:prstGeom prst="rect">
             <a:avLst/>
@@ -11742,7 +11746,7 @@
               <a:rPr lang="en-US" sz="2000" b="1" dirty="0">
                 <a:latin typeface="Cambria" panose="02040503050406030204" pitchFamily="18" charset="0"/>
               </a:rPr>
-              <a:t>Select some best results based on user history.</a:t>
+              <a:t>Select some best results based on user history. Design clear UI using Zeppelin.</a:t>
             </a:r>
           </a:p>
         </p:txBody>
@@ -11954,8 +11958,8 @@
         </p:nvSpPr>
         <p:spPr>
           <a:xfrm>
-            <a:off x="1262416" y="4978580"/>
-            <a:ext cx="6561667" cy="1200329"/>
+            <a:off x="1303711" y="4477648"/>
+            <a:ext cx="6561667" cy="1754326"/>
           </a:xfrm>
           <a:prstGeom prst="rect">
             <a:avLst/>
@@ -11972,7 +11976,19 @@
               <a:rPr lang="en-US" b="1" dirty="0">
                 <a:latin typeface="Cambria" panose="02040503050406030204" pitchFamily="18" charset="0"/>
               </a:rPr>
-              <a:t>The content of 200 websites per search.</a:t>
+              <a:t>G</a:t>
+            </a:r>
+            <a:r>
+              <a:rPr lang="en-US" altLang="zh-CN" b="1" dirty="0">
+                <a:latin typeface="Cambria" panose="02040503050406030204" pitchFamily="18" charset="0"/>
+              </a:rPr>
+              <a:t>rabbing </a:t>
+            </a:r>
+            <a:r>
+              <a:rPr lang="en-US" b="1" dirty="0">
+                <a:latin typeface="Cambria" panose="02040503050406030204" pitchFamily="18" charset="0"/>
+              </a:rPr>
+              <a:t>5000 website(1.5G)  HTML to train the model.</a:t>
             </a:r>
           </a:p>
           <a:p>
@@ -11985,7 +12001,20 @@
               <a:rPr lang="en-US" b="1" dirty="0">
                 <a:latin typeface="Cambria" panose="02040503050406030204" pitchFamily="18" charset="0"/>
               </a:rPr>
-              <a:t>User history stored in back end.</a:t>
+              <a:t>The content of 200 websites(60M) per search.</a:t>
+            </a:r>
+          </a:p>
+          <a:p>
+            <a:endParaRPr lang="en-US" b="1" dirty="0">
+              <a:latin typeface="Cambria" panose="02040503050406030204" pitchFamily="18" charset="0"/>
+            </a:endParaRPr>
+          </a:p>
+          <a:p>
+            <a:r>
+              <a:rPr lang="en-US" b="1" dirty="0">
+                <a:latin typeface="Cambria" panose="02040503050406030204" pitchFamily="18" charset="0"/>
+              </a:rPr>
+              <a:t>User history stored in back end.(Optional)</a:t>
             </a:r>
           </a:p>
           <a:p>
@@ -11993,96 +12022,6 @@
           </a:p>
         </p:txBody>
       </p:sp>
-      <p:pic>
-        <p:nvPicPr>
-          <p:cNvPr id="7" name="Picture 6">
-            <a:extLst>
-              <a:ext uri="{FF2B5EF4-FFF2-40B4-BE49-F238E27FC236}">
-                <a16:creationId xmlns:a16="http://schemas.microsoft.com/office/drawing/2014/main" id="{A23CDBAF-21C0-4A34-B73C-758A930234AE}"/>
-              </a:ext>
-            </a:extLst>
-          </p:cNvPr>
-          <p:cNvPicPr>
-            <a:picLocks noChangeAspect="1"/>
-          </p:cNvPicPr>
-          <p:nvPr/>
-        </p:nvPicPr>
-        <p:blipFill>
-          <a:blip r:embed="rId4"/>
-          <a:stretch>
-            <a:fillRect/>
-          </a:stretch>
-        </p:blipFill>
-        <p:spPr>
-          <a:xfrm>
-            <a:off x="975697" y="1700611"/>
-            <a:ext cx="286719" cy="461199"/>
-          </a:xfrm>
-          <a:prstGeom prst="rect">
-            <a:avLst/>
-          </a:prstGeom>
-        </p:spPr>
-      </p:pic>
-      <p:pic>
-        <p:nvPicPr>
-          <p:cNvPr id="8" name="Picture 7">
-            <a:extLst>
-              <a:ext uri="{FF2B5EF4-FFF2-40B4-BE49-F238E27FC236}">
-                <a16:creationId xmlns:a16="http://schemas.microsoft.com/office/drawing/2014/main" id="{E49CF79F-D6CE-4E65-BABA-E834EB34ABF0}"/>
-              </a:ext>
-            </a:extLst>
-          </p:cNvPr>
-          <p:cNvPicPr>
-            <a:picLocks noChangeAspect="1"/>
-          </p:cNvPicPr>
-          <p:nvPr/>
-        </p:nvPicPr>
-        <p:blipFill>
-          <a:blip r:embed="rId5"/>
-          <a:stretch>
-            <a:fillRect/>
-          </a:stretch>
-        </p:blipFill>
-        <p:spPr>
-          <a:xfrm>
-            <a:off x="975697" y="4978580"/>
-            <a:ext cx="273107" cy="437746"/>
-          </a:xfrm>
-          <a:prstGeom prst="rect">
-            <a:avLst/>
-          </a:prstGeom>
-        </p:spPr>
-      </p:pic>
-      <p:pic>
-        <p:nvPicPr>
-          <p:cNvPr id="9" name="Picture 8">
-            <a:extLst>
-              <a:ext uri="{FF2B5EF4-FFF2-40B4-BE49-F238E27FC236}">
-                <a16:creationId xmlns:a16="http://schemas.microsoft.com/office/drawing/2014/main" id="{D1EB301F-43E8-4740-B9DF-FA2FCD48E75D}"/>
-              </a:ext>
-            </a:extLst>
-          </p:cNvPr>
-          <p:cNvPicPr>
-            <a:picLocks noChangeAspect="1"/>
-          </p:cNvPicPr>
-          <p:nvPr/>
-        </p:nvPicPr>
-        <p:blipFill>
-          <a:blip r:embed="rId6"/>
-          <a:stretch>
-            <a:fillRect/>
-          </a:stretch>
-        </p:blipFill>
-        <p:spPr>
-          <a:xfrm>
-            <a:off x="975697" y="5578744"/>
-            <a:ext cx="286719" cy="459563"/>
-          </a:xfrm>
-          <a:prstGeom prst="rect">
-            <a:avLst/>
-          </a:prstGeom>
-        </p:spPr>
-      </p:pic>
       <p:sp>
         <p:nvSpPr>
           <p:cNvPr id="10" name="TextBox 9">
@@ -12138,7 +12077,7 @@
           <p:nvPr/>
         </p:nvPicPr>
         <p:blipFill>
-          <a:blip r:embed="rId7"/>
+          <a:blip r:embed="rId4"/>
           <a:stretch>
             <a:fillRect/>
           </a:stretch>
@@ -12695,7 +12634,7 @@
               <a:rPr lang="en-US" sz="2000" b="1" dirty="0">
                 <a:latin typeface="Cambria" panose="02040503050406030204" pitchFamily="18" charset="0"/>
               </a:rPr>
-              <a:t>17</a:t>
+              <a:t>20</a:t>
             </a:r>
             <a:r>
               <a:rPr lang="en-US" sz="2000" b="1" baseline="30000" dirty="0">
@@ -12781,7 +12720,7 @@
               <a:rPr lang="en-US" sz="2000" b="1" dirty="0">
                 <a:latin typeface="Cambria" panose="02040503050406030204" pitchFamily="18" charset="0"/>
               </a:rPr>
-              <a:t>18</a:t>
+              <a:t>21</a:t>
             </a:r>
             <a:r>
               <a:rPr lang="en-US" sz="2000" b="1" baseline="30000" dirty="0">
@@ -13008,7 +12947,7 @@
               <a:rPr lang="en-US" sz="2000" b="1" dirty="0">
                 <a:latin typeface="Cambria" panose="02040503050406030204" pitchFamily="18" charset="0"/>
               </a:rPr>
-              <a:t> Dec--- 14</a:t>
+              <a:t> Dec--- 10</a:t>
             </a:r>
             <a:r>
               <a:rPr lang="en-US" sz="2000" b="1" baseline="30000" dirty="0">
@@ -13195,7 +13134,7 @@
         </p:nvSpPr>
         <p:spPr>
           <a:xfrm>
-            <a:off x="1885684" y="1756936"/>
+            <a:off x="1830976" y="1795031"/>
             <a:ext cx="6588369" cy="4401205"/>
           </a:xfrm>
           <a:prstGeom prst="rect">
@@ -13762,7 +13701,7 @@
         </p:nvSpPr>
         <p:spPr>
           <a:xfrm>
-            <a:off x="8268677" y="1756936"/>
+            <a:off x="8263553" y="1756936"/>
             <a:ext cx="1914769" cy="400110"/>
           </a:xfrm>
           <a:prstGeom prst="rect">
@@ -13807,7 +13746,7 @@
         </p:blipFill>
         <p:spPr>
           <a:xfrm>
-            <a:off x="1325703" y="3140196"/>
+            <a:off x="1325703" y="3054085"/>
             <a:ext cx="505273" cy="550831"/>
           </a:xfrm>
           <a:prstGeom prst="rect">
@@ -13829,7 +13768,7 @@
         </p:nvSpPr>
         <p:spPr>
           <a:xfrm>
-            <a:off x="1965569" y="3140798"/>
+            <a:off x="1905184" y="3054085"/>
             <a:ext cx="2983301" cy="400110"/>
           </a:xfrm>
           <a:prstGeom prst="rect">
@@ -13885,6 +13824,448 @@
                 <a:latin typeface="Cambria" panose="02040503050406030204" pitchFamily="18" charset="0"/>
               </a:rPr>
               <a:t>Code repository would be:</a:t>
+            </a:r>
+          </a:p>
+        </p:txBody>
+      </p:sp>
+      <p:sp>
+        <p:nvSpPr>
+          <p:cNvPr id="14" name="AutoShape 91">
+            <a:extLst>
+              <a:ext uri="{FF2B5EF4-FFF2-40B4-BE49-F238E27FC236}">
+                <a16:creationId xmlns:a16="http://schemas.microsoft.com/office/drawing/2014/main" id="{AA4BD387-E872-4E6A-9CCF-66E7A19E7D13}"/>
+              </a:ext>
+            </a:extLst>
+          </p:cNvPr>
+          <p:cNvSpPr>
+            <a:spLocks/>
+          </p:cNvSpPr>
+          <p:nvPr/>
+        </p:nvSpPr>
+        <p:spPr bwMode="auto">
+          <a:xfrm>
+            <a:off x="7619037" y="2931522"/>
+            <a:ext cx="535450" cy="541866"/>
+          </a:xfrm>
+          <a:custGeom>
+            <a:avLst/>
+            <a:gdLst>
+              <a:gd name="T0" fmla="+- 0 10795 54"/>
+              <a:gd name="T1" fmla="*/ T0 w 21483"/>
+              <a:gd name="T2" fmla="*/ 10800 h 21600"/>
+              <a:gd name="T3" fmla="+- 0 10795 54"/>
+              <a:gd name="T4" fmla="*/ T3 w 21483"/>
+              <a:gd name="T5" fmla="*/ 10800 h 21600"/>
+              <a:gd name="T6" fmla="+- 0 10795 54"/>
+              <a:gd name="T7" fmla="*/ T6 w 21483"/>
+              <a:gd name="T8" fmla="*/ 10800 h 21600"/>
+              <a:gd name="T9" fmla="+- 0 10795 54"/>
+              <a:gd name="T10" fmla="*/ T9 w 21483"/>
+              <a:gd name="T11" fmla="*/ 10800 h 21600"/>
+            </a:gdLst>
+            <a:ahLst/>
+            <a:cxnLst>
+              <a:cxn ang="0">
+                <a:pos x="T1" y="T2"/>
+              </a:cxn>
+              <a:cxn ang="0">
+                <a:pos x="T4" y="T5"/>
+              </a:cxn>
+              <a:cxn ang="0">
+                <a:pos x="T7" y="T8"/>
+              </a:cxn>
+              <a:cxn ang="0">
+                <a:pos x="T10" y="T11"/>
+              </a:cxn>
+            </a:cxnLst>
+            <a:rect l="0" t="0" r="r" b="b"/>
+            <a:pathLst>
+              <a:path w="21483" h="21600">
+                <a:moveTo>
+                  <a:pt x="20490" y="581"/>
+                </a:moveTo>
+                <a:cubicBezTo>
+                  <a:pt x="20984" y="1781"/>
+                  <a:pt x="21295" y="3048"/>
+                  <a:pt x="21421" y="4387"/>
+                </a:cubicBezTo>
+                <a:cubicBezTo>
+                  <a:pt x="21545" y="5722"/>
+                  <a:pt x="21482" y="7179"/>
+                  <a:pt x="21220" y="8744"/>
+                </a:cubicBezTo>
+                <a:cubicBezTo>
+                  <a:pt x="20549" y="13134"/>
+                  <a:pt x="18385" y="16469"/>
+                  <a:pt x="14732" y="18748"/>
+                </a:cubicBezTo>
+                <a:cubicBezTo>
+                  <a:pt x="13010" y="19857"/>
+                  <a:pt x="11265" y="20408"/>
+                  <a:pt x="9505" y="20408"/>
+                </a:cubicBezTo>
+                <a:cubicBezTo>
+                  <a:pt x="8354" y="20408"/>
+                  <a:pt x="7208" y="20165"/>
+                  <a:pt x="6064" y="19682"/>
+                </a:cubicBezTo>
+                <a:cubicBezTo>
+                  <a:pt x="5893" y="19609"/>
+                  <a:pt x="5725" y="19519"/>
+                  <a:pt x="5556" y="19411"/>
+                </a:cubicBezTo>
+                <a:cubicBezTo>
+                  <a:pt x="5388" y="19301"/>
+                  <a:pt x="5221" y="19191"/>
+                  <a:pt x="5058" y="19075"/>
+                </a:cubicBezTo>
+                <a:cubicBezTo>
+                  <a:pt x="4840" y="18928"/>
+                  <a:pt x="4625" y="18790"/>
+                  <a:pt x="4414" y="18660"/>
+                </a:cubicBezTo>
+                <a:cubicBezTo>
+                  <a:pt x="4199" y="18527"/>
+                  <a:pt x="4017" y="18465"/>
+                  <a:pt x="3857" y="18465"/>
+                </a:cubicBezTo>
+                <a:cubicBezTo>
+                  <a:pt x="3785" y="18485"/>
+                  <a:pt x="3698" y="18561"/>
+                  <a:pt x="3598" y="18700"/>
+                </a:cubicBezTo>
+                <a:cubicBezTo>
+                  <a:pt x="3497" y="18841"/>
+                  <a:pt x="3392" y="18996"/>
+                  <a:pt x="3287" y="19174"/>
+                </a:cubicBezTo>
+                <a:cubicBezTo>
+                  <a:pt x="3184" y="19349"/>
+                  <a:pt x="3085" y="19536"/>
+                  <a:pt x="2989" y="19728"/>
+                </a:cubicBezTo>
+                <a:cubicBezTo>
+                  <a:pt x="2898" y="19922"/>
+                  <a:pt x="2821" y="20072"/>
+                  <a:pt x="2760" y="20179"/>
+                </a:cubicBezTo>
+                <a:cubicBezTo>
+                  <a:pt x="2655" y="20388"/>
+                  <a:pt x="2557" y="20575"/>
+                  <a:pt x="2463" y="20741"/>
+                </a:cubicBezTo>
+                <a:cubicBezTo>
+                  <a:pt x="2372" y="20908"/>
+                  <a:pt x="2285" y="21055"/>
+                  <a:pt x="2213" y="21182"/>
+                </a:cubicBezTo>
+                <a:cubicBezTo>
+                  <a:pt x="2025" y="21461"/>
+                  <a:pt x="1787" y="21599"/>
+                  <a:pt x="1494" y="21599"/>
+                </a:cubicBezTo>
+                <a:lnTo>
+                  <a:pt x="1450" y="21599"/>
+                </a:lnTo>
+                <a:cubicBezTo>
+                  <a:pt x="1235" y="21583"/>
+                  <a:pt x="1050" y="21526"/>
+                  <a:pt x="895" y="21433"/>
+                </a:cubicBezTo>
+                <a:cubicBezTo>
+                  <a:pt x="743" y="21334"/>
+                  <a:pt x="617" y="21224"/>
+                  <a:pt x="521" y="21097"/>
+                </a:cubicBezTo>
+                <a:cubicBezTo>
+                  <a:pt x="425" y="20975"/>
+                  <a:pt x="348" y="20846"/>
+                  <a:pt x="292" y="20716"/>
+                </a:cubicBezTo>
+                <a:cubicBezTo>
+                  <a:pt x="236" y="20586"/>
+                  <a:pt x="198" y="20484"/>
+                  <a:pt x="184" y="20408"/>
+                </a:cubicBezTo>
+                <a:cubicBezTo>
+                  <a:pt x="-17" y="20077"/>
+                  <a:pt x="-54" y="19724"/>
+                  <a:pt x="74" y="19355"/>
+                </a:cubicBezTo>
+                <a:cubicBezTo>
+                  <a:pt x="222" y="18877"/>
+                  <a:pt x="430" y="18479"/>
+                  <a:pt x="699" y="18152"/>
+                </a:cubicBezTo>
+                <a:cubicBezTo>
+                  <a:pt x="970" y="17827"/>
+                  <a:pt x="1235" y="17536"/>
+                  <a:pt x="1494" y="17276"/>
+                </a:cubicBezTo>
+                <a:cubicBezTo>
+                  <a:pt x="1712" y="17068"/>
+                  <a:pt x="1901" y="16873"/>
+                  <a:pt x="2061" y="16692"/>
+                </a:cubicBezTo>
+                <a:cubicBezTo>
+                  <a:pt x="2222" y="16511"/>
+                  <a:pt x="2325" y="16319"/>
+                  <a:pt x="2367" y="16113"/>
+                </a:cubicBezTo>
+                <a:cubicBezTo>
+                  <a:pt x="2383" y="16057"/>
+                  <a:pt x="2383" y="16003"/>
+                  <a:pt x="2367" y="15949"/>
+                </a:cubicBezTo>
+                <a:cubicBezTo>
+                  <a:pt x="2353" y="15899"/>
+                  <a:pt x="2318" y="15783"/>
+                  <a:pt x="2257" y="15611"/>
+                </a:cubicBezTo>
+                <a:cubicBezTo>
+                  <a:pt x="2213" y="15503"/>
+                  <a:pt x="2168" y="15379"/>
+                  <a:pt x="2128" y="15241"/>
+                </a:cubicBezTo>
+                <a:cubicBezTo>
+                  <a:pt x="2086" y="15100"/>
+                  <a:pt x="2051" y="14941"/>
+                  <a:pt x="2021" y="14761"/>
+                </a:cubicBezTo>
+                <a:cubicBezTo>
+                  <a:pt x="1836" y="13321"/>
+                  <a:pt x="1883" y="11988"/>
+                  <a:pt x="2166" y="10774"/>
+                </a:cubicBezTo>
+                <a:cubicBezTo>
+                  <a:pt x="2449" y="9557"/>
+                  <a:pt x="2898" y="8464"/>
+                  <a:pt x="3509" y="7493"/>
+                </a:cubicBezTo>
+                <a:cubicBezTo>
+                  <a:pt x="4122" y="6527"/>
+                  <a:pt x="4852" y="5689"/>
+                  <a:pt x="5694" y="4986"/>
+                </a:cubicBezTo>
+                <a:cubicBezTo>
+                  <a:pt x="6539" y="4283"/>
+                  <a:pt x="7416" y="3741"/>
+                  <a:pt x="8326" y="3351"/>
+                </a:cubicBezTo>
+                <a:cubicBezTo>
+                  <a:pt x="8939" y="3091"/>
+                  <a:pt x="9611" y="2939"/>
+                  <a:pt x="10336" y="2894"/>
+                </a:cubicBezTo>
+                <a:cubicBezTo>
+                  <a:pt x="11066" y="2848"/>
+                  <a:pt x="11826" y="2817"/>
+                  <a:pt x="12617" y="2798"/>
+                </a:cubicBezTo>
+                <a:cubicBezTo>
+                  <a:pt x="13073" y="2798"/>
+                  <a:pt x="13546" y="2789"/>
+                  <a:pt x="14037" y="2772"/>
+                </a:cubicBezTo>
+                <a:cubicBezTo>
+                  <a:pt x="14531" y="2752"/>
+                  <a:pt x="15008" y="2704"/>
+                  <a:pt x="15469" y="2623"/>
+                </a:cubicBezTo>
+                <a:cubicBezTo>
+                  <a:pt x="15926" y="2541"/>
+                  <a:pt x="16351" y="2414"/>
+                  <a:pt x="16740" y="2239"/>
+                </a:cubicBezTo>
+                <a:cubicBezTo>
+                  <a:pt x="17128" y="2064"/>
+                  <a:pt x="17446" y="1815"/>
+                  <a:pt x="17692" y="1499"/>
+                </a:cubicBezTo>
+                <a:cubicBezTo>
+                  <a:pt x="17839" y="1321"/>
+                  <a:pt x="17984" y="1135"/>
+                  <a:pt x="18125" y="948"/>
+                </a:cubicBezTo>
+                <a:cubicBezTo>
+                  <a:pt x="18261" y="756"/>
+                  <a:pt x="18403" y="595"/>
+                  <a:pt x="18548" y="460"/>
+                </a:cubicBezTo>
+                <a:cubicBezTo>
+                  <a:pt x="18696" y="324"/>
+                  <a:pt x="18855" y="214"/>
+                  <a:pt x="19028" y="129"/>
+                </a:cubicBezTo>
+                <a:cubicBezTo>
+                  <a:pt x="19206" y="42"/>
+                  <a:pt x="19423" y="0"/>
+                  <a:pt x="19688" y="0"/>
+                </a:cubicBezTo>
+                <a:cubicBezTo>
+                  <a:pt x="19856" y="0"/>
+                  <a:pt x="20015" y="50"/>
+                  <a:pt x="20163" y="155"/>
+                </a:cubicBezTo>
+                <a:cubicBezTo>
+                  <a:pt x="20308" y="261"/>
+                  <a:pt x="20418" y="400"/>
+                  <a:pt x="20490" y="581"/>
+                </a:cubicBezTo>
+                <a:moveTo>
+                  <a:pt x="15350" y="9977"/>
+                </a:moveTo>
+                <a:cubicBezTo>
+                  <a:pt x="15596" y="10017"/>
+                  <a:pt x="15811" y="9927"/>
+                  <a:pt x="15993" y="9712"/>
+                </a:cubicBezTo>
+                <a:cubicBezTo>
+                  <a:pt x="16178" y="9503"/>
+                  <a:pt x="16276" y="9249"/>
+                  <a:pt x="16291" y="8953"/>
+                </a:cubicBezTo>
+                <a:cubicBezTo>
+                  <a:pt x="16305" y="8636"/>
+                  <a:pt x="16230" y="8374"/>
+                  <a:pt x="16064" y="8159"/>
+                </a:cubicBezTo>
+                <a:cubicBezTo>
+                  <a:pt x="15893" y="7947"/>
+                  <a:pt x="15680" y="7832"/>
+                  <a:pt x="15418" y="7815"/>
+                </a:cubicBezTo>
+                <a:cubicBezTo>
+                  <a:pt x="14321" y="7761"/>
+                  <a:pt x="13284" y="7834"/>
+                  <a:pt x="12315" y="8038"/>
+                </a:cubicBezTo>
+                <a:cubicBezTo>
+                  <a:pt x="11344" y="8241"/>
+                  <a:pt x="10425" y="8571"/>
+                  <a:pt x="9550" y="9032"/>
+                </a:cubicBezTo>
+                <a:cubicBezTo>
+                  <a:pt x="8673" y="9492"/>
+                  <a:pt x="7842" y="10090"/>
+                  <a:pt x="7046" y="10830"/>
+                </a:cubicBezTo>
+                <a:cubicBezTo>
+                  <a:pt x="6249" y="11567"/>
+                  <a:pt x="5479" y="12465"/>
+                  <a:pt x="4732" y="13518"/>
+                </a:cubicBezTo>
+                <a:cubicBezTo>
+                  <a:pt x="4562" y="13764"/>
+                  <a:pt x="4482" y="14032"/>
+                  <a:pt x="4496" y="14323"/>
+                </a:cubicBezTo>
+                <a:cubicBezTo>
+                  <a:pt x="4510" y="14617"/>
+                  <a:pt x="4620" y="14862"/>
+                  <a:pt x="4821" y="15063"/>
+                </a:cubicBezTo>
+                <a:cubicBezTo>
+                  <a:pt x="4971" y="15221"/>
+                  <a:pt x="5163" y="15311"/>
+                  <a:pt x="5392" y="15317"/>
+                </a:cubicBezTo>
+                <a:cubicBezTo>
+                  <a:pt x="5668" y="15317"/>
+                  <a:pt x="5900" y="15195"/>
+                  <a:pt x="6087" y="14953"/>
+                </a:cubicBezTo>
+                <a:cubicBezTo>
+                  <a:pt x="6759" y="14035"/>
+                  <a:pt x="7435" y="13244"/>
+                  <a:pt x="8116" y="12586"/>
+                </a:cubicBezTo>
+                <a:cubicBezTo>
+                  <a:pt x="8794" y="11929"/>
+                  <a:pt x="9510" y="11401"/>
+                  <a:pt x="10259" y="11005"/>
+                </a:cubicBezTo>
+                <a:cubicBezTo>
+                  <a:pt x="11010" y="10610"/>
+                  <a:pt x="11801" y="10330"/>
+                  <a:pt x="12636" y="10167"/>
+                </a:cubicBezTo>
+                <a:cubicBezTo>
+                  <a:pt x="13467" y="10003"/>
+                  <a:pt x="14372" y="9938"/>
+                  <a:pt x="15350" y="9977"/>
+                </a:cubicBezTo>
+              </a:path>
+            </a:pathLst>
+          </a:custGeom>
+          <a:solidFill>
+            <a:schemeClr val="accent1">
+              <a:lumMod val="60000"/>
+              <a:lumOff val="40000"/>
+            </a:schemeClr>
+          </a:solidFill>
+          <a:ln>
+            <a:noFill/>
+          </a:ln>
+          <a:effectLst/>
+          <a:extLst/>
+        </p:spPr>
+        <p:txBody>
+          <a:bodyPr lIns="41285" tIns="41285" rIns="41285" bIns="41285" anchor="ctr"/>
+          <a:lstStyle/>
+          <a:p>
+            <a:pPr defTabSz="742926">
+              <a:defRPr/>
+            </a:pPr>
+            <a:endParaRPr lang="es-ES" sz="2000" b="1" dirty="0">
+              <a:solidFill>
+                <a:srgbClr val="44CEB9"/>
+              </a:solidFill>
+              <a:effectLst>
+                <a:outerShdw blurRad="38100" dist="38100" dir="2700000" algn="tl">
+                  <a:srgbClr val="000000"/>
+                </a:outerShdw>
+              </a:effectLst>
+              <a:latin typeface="Cambria" panose="02040503050406030204" pitchFamily="18" charset="0"/>
+              <a:cs typeface="Gill Sans" charset="0"/>
+              <a:sym typeface="Gill Sans" charset="0"/>
+            </a:endParaRPr>
+          </a:p>
+        </p:txBody>
+      </p:sp>
+      <p:sp>
+        <p:nvSpPr>
+          <p:cNvPr id="11" name="TextBox 10">
+            <a:extLst>
+              <a:ext uri="{FF2B5EF4-FFF2-40B4-BE49-F238E27FC236}">
+                <a16:creationId xmlns:a16="http://schemas.microsoft.com/office/drawing/2014/main" id="{2B528970-09FD-4D9D-BCB3-B923BF86F968}"/>
+              </a:ext>
+            </a:extLst>
+          </p:cNvPr>
+          <p:cNvSpPr txBox="1"/>
+          <p:nvPr/>
+        </p:nvSpPr>
+        <p:spPr>
+          <a:xfrm>
+            <a:off x="8268677" y="2990898"/>
+            <a:ext cx="3972501" cy="400110"/>
+          </a:xfrm>
+          <a:prstGeom prst="rect">
+            <a:avLst/>
+          </a:prstGeom>
+          <a:noFill/>
+        </p:spPr>
+        <p:txBody>
+          <a:bodyPr wrap="square" rtlCol="0">
+            <a:spAutoFit/>
+          </a:bodyPr>
+          <a:lstStyle/>
+          <a:p>
+            <a:r>
+              <a:rPr lang="en-US" sz="2000" b="1" dirty="0">
+                <a:latin typeface="Cambria" panose="02040503050406030204" pitchFamily="18" charset="0"/>
+              </a:rPr>
+              <a:t>Build a clear UI(Zeppelin)</a:t>
             </a:r>
           </a:p>
         </p:txBody>
@@ -13970,8 +14351,8 @@
         </p:nvSpPr>
         <p:spPr>
           <a:xfrm>
-            <a:off x="808383" y="4489174"/>
-            <a:ext cx="11383617" cy="400110"/>
+            <a:off x="615852" y="1737349"/>
+            <a:ext cx="11383617" cy="1323439"/>
           </a:xfrm>
           <a:prstGeom prst="rect">
             <a:avLst/>
@@ -13984,45 +14365,36 @@
           </a:bodyPr>
           <a:lstStyle/>
           <a:p>
+            <a:pPr marL="342900" indent="-342900">
+              <a:buFont typeface="Arial" panose="020B0604020202020204" pitchFamily="34" charset="0"/>
+              <a:buChar char="•"/>
+            </a:pPr>
             <a:r>
               <a:rPr lang="en-US" sz="2000" b="1" dirty="0">
                 <a:latin typeface="Cambria" panose="02040503050406030204" pitchFamily="18" charset="0"/>
               </a:rPr>
-              <a:t>After training, get accuracy above than 50% to provide a satisfactory result for our users. </a:t>
+              <a:t>After 50 times search test(50 times/per test),  60% of results without duplication and irrelevant.</a:t>
+            </a:r>
+          </a:p>
+          <a:p>
+            <a:endParaRPr lang="en-US" sz="2000" b="1" dirty="0">
+              <a:latin typeface="Cambria" panose="02040503050406030204" pitchFamily="18" charset="0"/>
+            </a:endParaRPr>
+          </a:p>
+          <a:p>
+            <a:pPr marL="342900" indent="-342900">
+              <a:buFont typeface="Arial" panose="020B0604020202020204" pitchFamily="34" charset="0"/>
+              <a:buChar char="•"/>
+            </a:pPr>
+            <a:r>
+              <a:rPr lang="en-US" sz="2000" b="1" dirty="0">
+                <a:latin typeface="Cambria" panose="02040503050406030204" pitchFamily="18" charset="0"/>
+              </a:rPr>
+              <a:t>Set four test cases with the only results,  search accuracy will be at least 50%.</a:t>
             </a:r>
           </a:p>
         </p:txBody>
       </p:sp>
-      <p:pic>
-        <p:nvPicPr>
-          <p:cNvPr id="4" name="Picture 3">
-            <a:extLst>
-              <a:ext uri="{FF2B5EF4-FFF2-40B4-BE49-F238E27FC236}">
-                <a16:creationId xmlns:a16="http://schemas.microsoft.com/office/drawing/2014/main" id="{86A1B69B-B8D4-4F97-892E-B51C9A7A7582}"/>
-              </a:ext>
-            </a:extLst>
-          </p:cNvPr>
-          <p:cNvPicPr>
-            <a:picLocks noChangeAspect="1"/>
-          </p:cNvPicPr>
-          <p:nvPr/>
-        </p:nvPicPr>
-        <p:blipFill>
-          <a:blip r:embed="rId3"/>
-          <a:stretch>
-            <a:fillRect/>
-          </a:stretch>
-        </p:blipFill>
-        <p:spPr>
-          <a:xfrm>
-            <a:off x="808383" y="1911960"/>
-            <a:ext cx="9784862" cy="1826564"/>
-          </a:xfrm>
-          <a:prstGeom prst="rect">
-            <a:avLst/>
-          </a:prstGeom>
-        </p:spPr>
-      </p:pic>
     </p:spTree>
     <p:extLst>
       <p:ext uri="{BB962C8B-B14F-4D97-AF65-F5344CB8AC3E}">
@@ -14092,73 +14464,6 @@
       </p:sp>
       <p:sp>
         <p:nvSpPr>
-          <p:cNvPr id="7" name="TextBox 6">
-            <a:extLst>
-              <a:ext uri="{FF2B5EF4-FFF2-40B4-BE49-F238E27FC236}">
-                <a16:creationId xmlns:a16="http://schemas.microsoft.com/office/drawing/2014/main" id="{001D0102-C061-42B2-8C1A-6B9A5F96C489}"/>
-              </a:ext>
-            </a:extLst>
-          </p:cNvPr>
-          <p:cNvSpPr txBox="1"/>
-          <p:nvPr/>
-        </p:nvSpPr>
-        <p:spPr>
-          <a:xfrm>
-            <a:off x="1250855" y="4617465"/>
-            <a:ext cx="2805330" cy="1015663"/>
-          </a:xfrm>
-          <a:prstGeom prst="rect">
-            <a:avLst/>
-          </a:prstGeom>
-          <a:noFill/>
-        </p:spPr>
-        <p:txBody>
-          <a:bodyPr wrap="square" rtlCol="0">
-            <a:spAutoFit/>
-          </a:bodyPr>
-          <a:lstStyle/>
-          <a:p>
-            <a:r>
-              <a:rPr lang="en-US" sz="2000" b="1" dirty="0">
-                <a:latin typeface="Cambria" panose="02040503050406030204" pitchFamily="18" charset="0"/>
-              </a:rPr>
-              <a:t>Try to provide a better answer which can help.</a:t>
-            </a:r>
-          </a:p>
-        </p:txBody>
-      </p:sp>
-      <p:pic>
-        <p:nvPicPr>
-          <p:cNvPr id="8" name="Picture 7">
-            <a:extLst>
-              <a:ext uri="{FF2B5EF4-FFF2-40B4-BE49-F238E27FC236}">
-                <a16:creationId xmlns:a16="http://schemas.microsoft.com/office/drawing/2014/main" id="{3D1F57C6-86AA-4FA9-81B5-B1C14EF08164}"/>
-              </a:ext>
-            </a:extLst>
-          </p:cNvPr>
-          <p:cNvPicPr>
-            <a:picLocks noChangeAspect="1"/>
-          </p:cNvPicPr>
-          <p:nvPr/>
-        </p:nvPicPr>
-        <p:blipFill>
-          <a:blip r:embed="rId3"/>
-          <a:stretch>
-            <a:fillRect/>
-          </a:stretch>
-        </p:blipFill>
-        <p:spPr>
-          <a:xfrm>
-            <a:off x="1672884" y="2073813"/>
-            <a:ext cx="7619187" cy="2121042"/>
-          </a:xfrm>
-          <a:prstGeom prst="rect">
-            <a:avLst/>
-          </a:prstGeom>
-        </p:spPr>
-      </p:pic>
-      <p:sp>
-        <p:nvSpPr>
           <p:cNvPr id="9" name="TextBox 8">
             <a:extLst>
               <a:ext uri="{FF2B5EF4-FFF2-40B4-BE49-F238E27FC236}">
@@ -14171,8 +14476,8 @@
         </p:nvSpPr>
         <p:spPr>
           <a:xfrm>
-            <a:off x="4346517" y="4617465"/>
-            <a:ext cx="2570097" cy="707886"/>
+            <a:off x="2165255" y="1655308"/>
+            <a:ext cx="5884412" cy="400110"/>
           </a:xfrm>
           <a:prstGeom prst="rect">
             <a:avLst/>
@@ -14208,8 +14513,8 @@
         </p:nvSpPr>
         <p:spPr>
           <a:xfrm>
-            <a:off x="6994769" y="4617465"/>
-            <a:ext cx="2751016" cy="984885"/>
+            <a:off x="2161969" y="2428855"/>
+            <a:ext cx="7583816" cy="677108"/>
           </a:xfrm>
           <a:prstGeom prst="rect">
             <a:avLst/>
@@ -14231,6 +14536,49 @@
           </a:p>
           <a:p>
             <a:endParaRPr lang="en-US" dirty="0"/>
+          </a:p>
+        </p:txBody>
+      </p:sp>
+      <p:sp>
+        <p:nvSpPr>
+          <p:cNvPr id="3" name="TextBox 2">
+            <a:extLst>
+              <a:ext uri="{FF2B5EF4-FFF2-40B4-BE49-F238E27FC236}">
+                <a16:creationId xmlns:a16="http://schemas.microsoft.com/office/drawing/2014/main" id="{A4F2D36A-3A95-4285-8CBE-D220597FC322}"/>
+              </a:ext>
+            </a:extLst>
+          </p:cNvPr>
+          <p:cNvSpPr txBox="1"/>
+          <p:nvPr/>
+        </p:nvSpPr>
+        <p:spPr>
+          <a:xfrm>
+            <a:off x="2161969" y="3191773"/>
+            <a:ext cx="9224899" cy="1015663"/>
+          </a:xfrm>
+          <a:prstGeom prst="rect">
+            <a:avLst/>
+          </a:prstGeom>
+          <a:noFill/>
+        </p:spPr>
+        <p:txBody>
+          <a:bodyPr wrap="square" rtlCol="0">
+            <a:spAutoFit/>
+          </a:bodyPr>
+          <a:lstStyle/>
+          <a:p>
+            <a:r>
+              <a:rPr lang="en-US" sz="2000" b="1" dirty="0" err="1">
+                <a:latin typeface="Cambria" panose="02040503050406030204" pitchFamily="18" charset="0"/>
+              </a:rPr>
+              <a:t>Eg</a:t>
+            </a:r>
+            <a:r>
+              <a:rPr lang="en-US" sz="2000" b="1" dirty="0">
+                <a:latin typeface="Cambria" panose="02040503050406030204" pitchFamily="18" charset="0"/>
+              </a:rPr>
+              <a:t>: User may not have enough time going through 200 websites, but our application can finish such task in a short time then provide a integrated result.</a:t>
+            </a:r>
           </a:p>
         </p:txBody>
       </p:sp>
